--- a/old/precal2_7_03.pptx
+++ b/old/precal2_7_03.pptx
@@ -572,7 +572,7 @@
       </p:grpSpPr>
       <p:sp>
         <p:nvSpPr>
-          <p:cNvPr id="192" name="Shape 192"/>
+          <p:cNvPr id="193" name="Shape 193"/>
           <p:cNvSpPr/>
           <p:nvPr>
             <p:ph type="sldImg"/>
@@ -593,7 +593,7 @@
       </p:sp>
       <p:sp>
         <p:nvSpPr>
-          <p:cNvPr id="193" name="Shape 193"/>
+          <p:cNvPr id="194" name="Shape 194"/>
           <p:cNvSpPr/>
           <p:nvPr>
             <p:ph type="body" sz="quarter" idx="1"/>
@@ -622,7 +622,7 @@
               <a:buAutoNum type="arabicPeriod" startAt="1"/>
             </a:pPr>
             <a:r>
-              <a:t>Answers wil vary. The answer is yes, if the student recognizes that this can be transformed into the system of linear equations below:</a:t>
+              <a:t>Answers will vary. the stduent could recognize that this can be transformed into the system of linear equations below:</a:t>
             </a:r>
           </a:p>
           <a:p>
@@ -646,7 +646,7 @@
           <a:p>
             <a:pPr/>
             <a:r>
-              <a:t>where x represents the number of patients who take the 2% solution and y the rest.</a:t>
+              <a:t>where x represents the number of patients who take the 2% solution and y the rest. Then it can be solved in a variety of ways, including with matrix algebra.</a:t>
             </a:r>
           </a:p>
         </p:txBody>
@@ -678,7 +678,7 @@
       </p:grpSpPr>
       <p:sp>
         <p:nvSpPr>
-          <p:cNvPr id="201" name="Shape 201"/>
+          <p:cNvPr id="202" name="Shape 202"/>
           <p:cNvSpPr/>
           <p:nvPr>
             <p:ph type="sldImg"/>
@@ -699,7 +699,7 @@
       </p:sp>
       <p:sp>
         <p:nvSpPr>
-          <p:cNvPr id="202" name="Shape 202"/>
+          <p:cNvPr id="203" name="Shape 203"/>
           <p:cNvSpPr/>
           <p:nvPr>
             <p:ph type="body" sz="quarter" idx="1"/>
@@ -757,7 +757,7 @@
       </p:grpSpPr>
       <p:sp>
         <p:nvSpPr>
-          <p:cNvPr id="226" name="Shape 226"/>
+          <p:cNvPr id="227" name="Shape 227"/>
           <p:cNvSpPr/>
           <p:nvPr>
             <p:ph type="sldImg"/>
@@ -778,7 +778,7 @@
       </p:sp>
       <p:sp>
         <p:nvSpPr>
-          <p:cNvPr id="227" name="Shape 227"/>
+          <p:cNvPr id="228" name="Shape 228"/>
           <p:cNvSpPr/>
           <p:nvPr>
             <p:ph type="body" sz="quarter" idx="1"/>
@@ -835,6 +835,12 @@
             <a:pPr/>
             <a:r>
               <a:t>                -5 9]</a:t>
+            </a:r>
+          </a:p>
+          <a:p>
+            <a:pPr/>
+            <a:r>
+              <a:t>+HDW find the inverse?</a:t>
             </a:r>
           </a:p>
           <a:p>
@@ -887,7 +893,7 @@
       </p:grpSpPr>
       <p:sp>
         <p:nvSpPr>
-          <p:cNvPr id="242" name="Shape 242"/>
+          <p:cNvPr id="243" name="Shape 243"/>
           <p:cNvSpPr/>
           <p:nvPr>
             <p:ph type="sldImg"/>
@@ -908,7 +914,7 @@
       </p:sp>
       <p:sp>
         <p:nvSpPr>
-          <p:cNvPr id="243" name="Shape 243"/>
+          <p:cNvPr id="244" name="Shape 244"/>
           <p:cNvSpPr/>
           <p:nvPr>
             <p:ph type="body" sz="quarter" idx="1"/>
@@ -959,6 +965,76 @@
             <a:pPr/>
             <a:r>
               <a:t>+Why can’t I just use substitution? Because we’re practicing using adjugates and determinates.  It might seem silly here, but with bigger matrices it will be a LOT easier.  </a:t>
+            </a:r>
+          </a:p>
+        </p:txBody>
+      </p:sp>
+    </p:spTree>
+  </p:cSld>
+  <p:clrMapOvr>
+    <a:masterClrMapping/>
+  </p:clrMapOvr>
+</p:notes>
+</file>
+
+<file path=ppt/notesSlides/notesSlide6.xml><?xml version="1.0" encoding="utf-8"?>
+<p:notes xmlns:a="http://schemas.openxmlformats.org/drawingml/2006/main" xmlns:r="http://schemas.openxmlformats.org/officeDocument/2006/relationships" xmlns:p="http://schemas.openxmlformats.org/presentationml/2006/main" xmlns:m="http://schemas.openxmlformats.org/officeDocument/2006/math" xmlns:a14="http://schemas.microsoft.com/office/drawing/2010/main" showMasterSp="1" showMasterPhAnim="1">
+  <p:cSld>
+    <p:spTree>
+      <p:nvGrpSpPr>
+        <p:cNvPr id="1" name=""/>
+        <p:cNvGrpSpPr/>
+        <p:nvPr/>
+      </p:nvGrpSpPr>
+      <p:grpSpPr>
+        <a:xfrm>
+          <a:off x="0" y="0"/>
+          <a:ext cx="0" cy="0"/>
+          <a:chOff x="0" y="0"/>
+          <a:chExt cx="0" cy="0"/>
+        </a:xfrm>
+      </p:grpSpPr>
+      <p:sp>
+        <p:nvSpPr>
+          <p:cNvPr id="249" name="Shape 249"/>
+          <p:cNvSpPr/>
+          <p:nvPr>
+            <p:ph type="sldImg"/>
+          </p:nvPr>
+        </p:nvSpPr>
+        <p:spPr>
+          <a:prstGeom prst="rect">
+            <a:avLst/>
+          </a:prstGeom>
+        </p:spPr>
+        <p:txBody>
+          <a:bodyPr/>
+          <a:lstStyle/>
+          <a:p>
+            <a:pPr/>
+          </a:p>
+        </p:txBody>
+      </p:sp>
+      <p:sp>
+        <p:nvSpPr>
+          <p:cNvPr id="250" name="Shape 250"/>
+          <p:cNvSpPr/>
+          <p:nvPr>
+            <p:ph type="body" sz="quarter" idx="1"/>
+          </p:nvPr>
+        </p:nvSpPr>
+        <p:spPr>
+          <a:prstGeom prst="rect">
+            <a:avLst/>
+          </a:prstGeom>
+        </p:spPr>
+        <p:txBody>
+          <a:bodyPr/>
+          <a:lstStyle/>
+          <a:p>
+            <a:pPr/>
+            <a:r>
+              <a:t>last five minutes of class. share out.</a:t>
             </a:r>
           </a:p>
         </p:txBody>
@@ -3011,7 +3087,7 @@
         </p:nvSpPr>
         <p:spPr>
           <a:xfrm>
-            <a:off x="159380" y="4629606"/>
+            <a:off x="159380" y="4693106"/>
             <a:ext cx="8552701" cy="624607"/>
           </a:xfrm>
           <a:prstGeom prst="rect">
@@ -5604,6 +5680,10 @@
           </p:nvPr>
         </p:nvSpPr>
         <p:spPr>
+          <a:xfrm>
+            <a:off x="2402967" y="3238450"/>
+            <a:ext cx="6331502" cy="1241700"/>
+          </a:xfrm>
           <a:prstGeom prst="rect">
             <a:avLst/>
           </a:prstGeom>
@@ -5774,8 +5854,8 @@
         </p:nvSpPr>
         <p:spPr>
           <a:xfrm>
-            <a:off x="1601756" y="1273357"/>
-            <a:ext cx="5940488" cy="3064511"/>
+            <a:off x="4597204" y="1250599"/>
+            <a:ext cx="3884840" cy="2286001"/>
           </a:xfrm>
           <a:prstGeom prst="rect">
             <a:avLst/>
@@ -5810,9 +5890,55 @@
               </a:defRPr>
             </a:pPr>
             <a:r>
-              <a:t>Dr. Galvez and Dr. Guillermo are testing a new experimental medicine (Precalodine) at Montefiore Hosptial. The medicine is being given to a total of 100 patients. Patients take the medicine in a 1 liter solution, meaning that some percent of the solution is the medicine, and the rest is water. If patients are being given 2% or 4% solutions, and 2.5 liters of the medicine are on hand. </a:t>
+              <a:t>Dr. Galvez and Dr. Guillermo are testing a new experimental medicine (Precalodine) at Montefiore Hosptial. The medicine is being given to a total of 100 patients. Patients take the medicine in a 1 liter solution, meaning that some percent of the solution is the medicine, and the rest is water. Patients are being given 2% or 4% solutions, and 2.5 liters of the medicine are on hand. </a:t>
             </a:r>
             <a:br/>
+          </a:p>
+        </p:txBody>
+      </p:sp>
+      <p:sp>
+        <p:nvSpPr>
+          <p:cNvPr id="192" name="Be sure to……"/>
+          <p:cNvSpPr txBox="1"/>
+          <p:nvPr/>
+        </p:nvSpPr>
+        <p:spPr>
+          <a:xfrm>
+            <a:off x="381542" y="1429949"/>
+            <a:ext cx="3884840" cy="2124711"/>
+          </a:xfrm>
+          <a:prstGeom prst="rect">
+            <a:avLst/>
+          </a:prstGeom>
+          <a:ln w="12700">
+            <a:miter lim="400000"/>
+          </a:ln>
+          <a:extLst>
+            <a:ext uri="{C572A759-6A51-4108-AA02-DFA0A04FC94B}">
+              <ma14:wrappingTextBoxFlag xmlns:ma14="http://schemas.microsoft.com/office/mac/drawingml/2011/main" val="1"/>
+            </a:ext>
+          </a:extLst>
+        </p:spPr>
+        <p:txBody>
+          <a:bodyPr lIns="0" tIns="0" rIns="0" bIns="0">
+            <a:spAutoFit/>
+          </a:bodyPr>
+          <a:lstStyle/>
+          <a:p>
+            <a:pPr defTabSz="457200">
+              <a:spcBef>
+                <a:spcPts val="1300"/>
+              </a:spcBef>
+              <a:defRPr sz="1533">
+                <a:solidFill>
+                  <a:srgbClr val="000000"/>
+                </a:solidFill>
+                <a:latin typeface="Times Roman"/>
+                <a:ea typeface="Times Roman"/>
+                <a:cs typeface="Times Roman"/>
+                <a:sym typeface="Times Roman"/>
+              </a:defRPr>
+            </a:pPr>
           </a:p>
           <a:p>
             <a:pPr>
@@ -5835,9 +5961,14 @@
               </a:rPr>
               <a:t>Be sure to…</a:t>
             </a:r>
-            <a:r>
-              <a:t>read the text above, then answer the questions below</a:t>
-            </a:r>
+            <a:endParaRPr>
+              <a:solidFill>
+                <a:schemeClr val="accent5">
+                  <a:satOff val="-3088"/>
+                  <a:lumOff val="12696"/>
+                </a:schemeClr>
+              </a:solidFill>
+            </a:endParaRPr>
           </a:p>
           <a:p>
             <a:pPr marL="187157" indent="-187157">
@@ -5852,8 +5983,67 @@
               </a:defRPr>
             </a:pPr>
             <a:r>
-              <a:t>What doesn’t make sense to you? Write down any questions you have.</a:t>
-            </a:r>
+              <a:rPr>
+                <a:solidFill>
+                  <a:schemeClr val="accent5">
+                    <a:satOff val="-3088"/>
+                    <a:lumOff val="12696"/>
+                  </a:schemeClr>
+                </a:solidFill>
+              </a:rPr>
+              <a:t> </a:t>
+            </a:r>
+            <a:r>
+              <a:t>read the text to the right</a:t>
+            </a:r>
+            <a:endParaRPr>
+              <a:solidFill>
+                <a:schemeClr val="accent5">
+                  <a:satOff val="-3088"/>
+                  <a:lumOff val="12696"/>
+                </a:schemeClr>
+              </a:solidFill>
+            </a:endParaRPr>
+          </a:p>
+          <a:p>
+            <a:pPr marL="187157" indent="-187157">
+              <a:buClr>
+                <a:schemeClr val="accent1">
+                  <a:lumOff val="-6117"/>
+                </a:schemeClr>
+              </a:buClr>
+              <a:buSzPct val="100000"/>
+              <a:buAutoNum type="arabicPeriod" startAt="1"/>
+              <a:defRPr>
+                <a:solidFill>
+                  <a:schemeClr val="accent1">
+                    <a:lumOff val="-6117"/>
+                  </a:schemeClr>
+                </a:solidFill>
+              </a:defRPr>
+            </a:pPr>
+            <a:r>
+              <a:rPr>
+                <a:solidFill>
+                  <a:schemeClr val="accent5">
+                    <a:satOff val="-3088"/>
+                    <a:lumOff val="12696"/>
+                  </a:schemeClr>
+                </a:solidFill>
+              </a:rPr>
+              <a:t> </a:t>
+            </a:r>
+            <a:r>
+              <a:t>Identify what doesn’t make sense to you in a bulleted list.</a:t>
+            </a:r>
+            <a:endParaRPr>
+              <a:solidFill>
+                <a:schemeClr val="accent5">
+                  <a:satOff val="-3088"/>
+                  <a:lumOff val="12696"/>
+                </a:schemeClr>
+              </a:solidFill>
+            </a:endParaRPr>
           </a:p>
           <a:p>
             <a:pPr marL="187157" indent="-187157">
@@ -5868,7 +6058,14 @@
               </a:defRPr>
             </a:pPr>
             <a:r>
-              <a:t>Let’s say you want to know how many patients you can give each dosage to. Do you think you have enough information to answer this question using matrix algebra? Explain why or why not in a complete sentence. </a:t>
+              <a:t>Let’s say you want to know </a:t>
+            </a:r>
+            <a:r>
+              <a:rPr b="1"/>
+              <a:t>how many patients can be given each dosage</a:t>
+            </a:r>
+            <a:r>
+              <a:t> and use up all the medicine. Explain how you would solve this problem.</a:t>
             </a:r>
           </a:p>
         </p:txBody>
@@ -5982,7 +6179,7 @@
       </p:grpSpPr>
       <p:sp>
         <p:nvSpPr>
-          <p:cNvPr id="195" name="Double-click to edit"/>
+          <p:cNvPr id="196" name="Double-click to edit"/>
           <p:cNvSpPr txBox="1"/>
           <p:nvPr>
             <p:ph type="title"/>
@@ -6005,7 +6202,7 @@
       </p:sp>
       <p:sp>
         <p:nvSpPr>
-          <p:cNvPr id="196" name="framing…"/>
+          <p:cNvPr id="197" name="framing…"/>
           <p:cNvSpPr txBox="1"/>
           <p:nvPr/>
         </p:nvSpPr>
@@ -6180,7 +6377,7 @@
       </p:sp>
       <p:pic>
         <p:nvPicPr>
-          <p:cNvPr id="197" name="Image" descr="Image"/>
+          <p:cNvPr id="198" name="Image" descr="Image"/>
           <p:cNvPicPr>
             <a:picLocks noChangeAspect="1"/>
           </p:cNvPicPr>
@@ -6246,7 +6443,7 @@
                                       <p:cBhvr>
                                         <p:cTn id="6" fill="hold"/>
                                         <p:tgtEl>
-                                          <p:spTgt spid="196">
+                                          <p:spTgt spid="197">
                                             <p:bg/>
                                           </p:spTgt>
                                         </p:tgtEl>
@@ -6274,7 +6471,7 @@
                                       <p:cBhvr>
                                         <p:cTn id="8" fill="hold"/>
                                         <p:tgtEl>
-                                          <p:spTgt spid="196">
+                                          <p:spTgt spid="197">
                                             <p:txEl>
                                               <p:pRg st="0" end="0"/>
                                             </p:txEl>
@@ -6322,7 +6519,7 @@
                                       <p:cBhvr>
                                         <p:cTn id="12" fill="hold"/>
                                         <p:tgtEl>
-                                          <p:spTgt spid="196">
+                                          <p:spTgt spid="197">
                                             <p:txEl>
                                               <p:pRg st="1" end="1"/>
                                             </p:txEl>
@@ -6370,7 +6567,7 @@
                                       <p:cBhvr>
                                         <p:cTn id="16" fill="hold"/>
                                         <p:tgtEl>
-                                          <p:spTgt spid="196">
+                                          <p:spTgt spid="197">
                                             <p:txEl>
                                               <p:pRg st="2" end="2"/>
                                             </p:txEl>
@@ -6418,7 +6615,7 @@
                                       <p:cBhvr>
                                         <p:cTn id="20" fill="hold"/>
                                         <p:tgtEl>
-                                          <p:spTgt spid="196">
+                                          <p:spTgt spid="197">
                                             <p:txEl>
                                               <p:pRg st="3" end="3"/>
                                             </p:txEl>
@@ -6463,7 +6660,7 @@
       </p:par>
     </p:tnLst>
     <p:bldLst>
-      <p:bldP build="p" bldLvl="5" animBg="1" rev="0" advAuto="0" spid="196" grpId="1"/>
+      <p:bldP build="p" bldLvl="5" animBg="1" rev="0" advAuto="0" spid="197" grpId="1"/>
     </p:bldLst>
   </p:timing>
 </p:sld>
@@ -6488,7 +6685,7 @@
       </p:grpSpPr>
       <p:sp>
         <p:nvSpPr>
-          <p:cNvPr id="199" name="Warm up: Stop ’n’ Jot"/>
+          <p:cNvPr id="200" name="Warm up: Stop ’n’ Jot"/>
           <p:cNvSpPr txBox="1"/>
           <p:nvPr>
             <p:ph type="title"/>
@@ -6516,7 +6713,7 @@
       </p:sp>
       <p:sp>
         <p:nvSpPr>
-          <p:cNvPr id="200" name="Be sure to… Answer the question below in at least two complete sentences, in your notes. Be prepared to share out!…"/>
+          <p:cNvPr id="201" name="Be sure to… Answer the question below in at least two complete sentences, in your notes. Be prepared to share out!…"/>
           <p:cNvSpPr txBox="1"/>
           <p:nvPr>
             <p:ph type="body" idx="1"/>
@@ -6786,7 +6983,7 @@
                                       <p:cBhvr>
                                         <p:cTn id="6" fill="hold"/>
                                         <p:tgtEl>
-                                          <p:spTgt spid="200">
+                                          <p:spTgt spid="201">
                                             <p:bg/>
                                           </p:spTgt>
                                         </p:tgtEl>
@@ -6814,7 +7011,7 @@
                                       <p:cBhvr>
                                         <p:cTn id="8" fill="hold"/>
                                         <p:tgtEl>
-                                          <p:spTgt spid="200">
+                                          <p:spTgt spid="201">
                                             <p:txEl>
                                               <p:pRg st="0" end="0"/>
                                             </p:txEl>
@@ -6862,7 +7059,7 @@
                                       <p:cBhvr>
                                         <p:cTn id="12" fill="hold"/>
                                         <p:tgtEl>
-                                          <p:spTgt spid="200">
+                                          <p:spTgt spid="201">
                                             <p:txEl>
                                               <p:pRg st="1" end="1"/>
                                             </p:txEl>
@@ -6910,7 +7107,7 @@
                                       <p:cBhvr>
                                         <p:cTn id="16" fill="hold"/>
                                         <p:tgtEl>
-                                          <p:spTgt spid="200">
+                                          <p:spTgt spid="201">
                                             <p:txEl>
                                               <p:pRg st="2" end="2"/>
                                             </p:txEl>
@@ -6958,7 +7155,7 @@
                                       <p:cBhvr>
                                         <p:cTn id="20" fill="hold"/>
                                         <p:tgtEl>
-                                          <p:spTgt spid="200">
+                                          <p:spTgt spid="201">
                                             <p:txEl>
                                               <p:pRg st="3" end="3"/>
                                             </p:txEl>
@@ -7006,7 +7203,7 @@
                                       <p:cBhvr>
                                         <p:cTn id="24" fill="hold"/>
                                         <p:tgtEl>
-                                          <p:spTgt spid="200">
+                                          <p:spTgt spid="201">
                                             <p:txEl>
                                               <p:pRg st="4" end="4"/>
                                             </p:txEl>
@@ -7054,7 +7251,7 @@
                                       <p:cBhvr>
                                         <p:cTn id="28" fill="hold"/>
                                         <p:tgtEl>
-                                          <p:spTgt spid="200">
+                                          <p:spTgt spid="201">
                                             <p:txEl>
                                               <p:pRg st="5" end="5"/>
                                             </p:txEl>
@@ -7102,7 +7299,7 @@
                                       <p:cBhvr>
                                         <p:cTn id="32" fill="hold"/>
                                         <p:tgtEl>
-                                          <p:spTgt spid="200">
+                                          <p:spTgt spid="201">
                                             <p:txEl>
                                               <p:pRg st="6" end="6"/>
                                             </p:txEl>
@@ -7150,7 +7347,7 @@
                                       <p:cBhvr>
                                         <p:cTn id="36" fill="hold"/>
                                         <p:tgtEl>
-                                          <p:spTgt spid="200">
+                                          <p:spTgt spid="201">
                                             <p:txEl>
                                               <p:pRg st="7" end="7"/>
                                             </p:txEl>
@@ -7195,7 +7392,7 @@
       </p:par>
     </p:tnLst>
     <p:bldLst>
-      <p:bldP build="p" bldLvl="5" animBg="1" rev="0" advAuto="0" spid="200" grpId="1"/>
+      <p:bldP build="p" bldLvl="5" animBg="1" rev="0" advAuto="0" spid="201" grpId="1"/>
     </p:bldLst>
   </p:timing>
 </p:sld>
@@ -7220,7 +7417,7 @@
       </p:grpSpPr>
       <p:grpSp>
         <p:nvGrpSpPr>
-          <p:cNvPr id="207" name="Group"/>
+          <p:cNvPr id="208" name="Group"/>
           <p:cNvGrpSpPr/>
           <p:nvPr/>
         </p:nvGrpSpPr>
@@ -7234,7 +7431,7 @@
         </p:grpSpPr>
         <p:sp>
           <p:nvSpPr>
-            <p:cNvPr id="204" name="Last week we learned a formula for finding the inverse of a   matrix:"/>
+            <p:cNvPr id="205" name="Last week we learned a formula for finding the inverse of a   matrix:"/>
             <p:cNvSpPr/>
             <p:nvPr/>
           </p:nvSpPr>
@@ -7353,7 +7550,7 @@
         </p:sp>
         <p:pic>
           <p:nvPicPr>
-            <p:cNvPr id="205" name="Image" descr="Image"/>
+            <p:cNvPr id="206" name="Image" descr="Image"/>
             <p:cNvPicPr>
               <a:picLocks noChangeAspect="1"/>
             </p:cNvPicPr>
@@ -7385,7 +7582,7 @@
         </p:pic>
         <p:pic>
           <p:nvPicPr>
-            <p:cNvPr id="206" name="Image" descr="Image"/>
+            <p:cNvPr id="207" name="Image" descr="Image"/>
             <p:cNvPicPr>
               <a:picLocks noChangeAspect="1"/>
             </p:cNvPicPr>
@@ -7417,7 +7614,7 @@
       </p:grpSp>
       <p:sp>
         <p:nvSpPr>
-          <p:cNvPr id="208" name="Vocabulary:"/>
+          <p:cNvPr id="209" name="Vocabulary:"/>
           <p:cNvSpPr txBox="1"/>
           <p:nvPr/>
         </p:nvSpPr>
@@ -7464,7 +7661,7 @@
       </p:sp>
       <p:grpSp>
         <p:nvGrpSpPr>
-          <p:cNvPr id="213" name="Group"/>
+          <p:cNvPr id="214" name="Group"/>
           <p:cNvGrpSpPr/>
           <p:nvPr/>
         </p:nvGrpSpPr>
@@ -7478,7 +7675,7 @@
         </p:grpSpPr>
         <p:grpSp>
           <p:nvGrpSpPr>
-            <p:cNvPr id="211" name="Group"/>
+            <p:cNvPr id="212" name="Group"/>
             <p:cNvGrpSpPr/>
             <p:nvPr/>
           </p:nvGrpSpPr>
@@ -7492,7 +7689,7 @@
           </p:grpSpPr>
           <p:pic>
             <p:nvPicPr>
-              <p:cNvPr id="209" name="Image" descr="Image"/>
+              <p:cNvPr id="210" name="Image" descr="Image"/>
               <p:cNvPicPr>
                 <a:picLocks noChangeAspect="1"/>
               </p:cNvPicPr>
@@ -7523,7 +7720,7 @@
           </p:pic>
           <p:sp>
             <p:nvSpPr>
-              <p:cNvPr id="210" name="The determinant of a   matrix A, written det(A):"/>
+              <p:cNvPr id="211" name="The determinant of a   matrix A, written det(A):"/>
               <p:cNvSpPr/>
               <p:nvPr/>
             </p:nvSpPr>
@@ -7623,7 +7820,7 @@
         </p:grpSp>
         <p:sp>
           <p:nvSpPr>
-            <p:cNvPr id="212" name="Rectangle"/>
+            <p:cNvPr id="213" name="Rectangle"/>
             <p:cNvSpPr/>
             <p:nvPr/>
           </p:nvSpPr>
@@ -7658,7 +7855,7 @@
       </p:grpSp>
       <p:grpSp>
         <p:nvGrpSpPr>
-          <p:cNvPr id="217" name="Group"/>
+          <p:cNvPr id="218" name="Group"/>
           <p:cNvGrpSpPr/>
           <p:nvPr/>
         </p:nvGrpSpPr>
@@ -7672,7 +7869,7 @@
         </p:grpSpPr>
         <p:pic>
           <p:nvPicPr>
-            <p:cNvPr id="214" name="Image" descr="Image"/>
+            <p:cNvPr id="215" name="Image" descr="Image"/>
             <p:cNvPicPr>
               <a:picLocks noChangeAspect="1"/>
             </p:cNvPicPr>
@@ -7703,7 +7900,7 @@
         </p:pic>
         <p:sp>
           <p:nvSpPr>
-            <p:cNvPr id="215" name="The adjugate of a   matrix A, written adj(A):"/>
+            <p:cNvPr id="216" name="The adjugate of a   matrix A, written adj(A):"/>
             <p:cNvSpPr txBox="1"/>
             <p:nvPr/>
           </p:nvSpPr>
@@ -7802,7 +7999,7 @@
         </p:sp>
         <p:sp>
           <p:nvSpPr>
-            <p:cNvPr id="216" name="Rectangle"/>
+            <p:cNvPr id="217" name="Rectangle"/>
             <p:cNvSpPr/>
             <p:nvPr/>
           </p:nvSpPr>
@@ -7837,7 +8034,7 @@
       </p:grpSp>
       <p:sp>
         <p:nvSpPr>
-          <p:cNvPr id="218" name="Be sure to: do the work below in your saved copy of thenAlice’s restaurant Pyret file:…"/>
+          <p:cNvPr id="219" name="Be sure to: do the work below in your saved copy of thenAlice’s restaurant Pyret file:…"/>
           <p:cNvSpPr txBox="1"/>
           <p:nvPr/>
         </p:nvSpPr>
@@ -7912,7 +8109,7 @@
       </p:sp>
       <p:grpSp>
         <p:nvGrpSpPr>
-          <p:cNvPr id="222" name="Group"/>
+          <p:cNvPr id="223" name="Group"/>
           <p:cNvGrpSpPr/>
           <p:nvPr/>
         </p:nvGrpSpPr>
@@ -7926,7 +8123,7 @@
         </p:grpSpPr>
         <p:sp>
           <p:nvSpPr>
-            <p:cNvPr id="219" name="We can now write:"/>
+            <p:cNvPr id="220" name="We can now write:"/>
             <p:cNvSpPr txBox="1"/>
             <p:nvPr/>
           </p:nvSpPr>
@@ -7968,7 +8165,7 @@
         </p:sp>
         <p:pic>
           <p:nvPicPr>
-            <p:cNvPr id="220" name="Image" descr="Image"/>
+            <p:cNvPr id="221" name="Image" descr="Image"/>
             <p:cNvPicPr>
               <a:picLocks noChangeAspect="1"/>
             </p:cNvPicPr>
@@ -7999,7 +8196,7 @@
         </p:pic>
         <p:sp>
           <p:nvSpPr>
-            <p:cNvPr id="221" name="Rectangle"/>
+            <p:cNvPr id="222" name="Rectangle"/>
             <p:cNvSpPr/>
             <p:nvPr/>
           </p:nvSpPr>
@@ -8034,7 +8231,7 @@
       </p:grpSp>
       <p:grpSp>
         <p:nvGrpSpPr>
-          <p:cNvPr id="225" name="Group"/>
+          <p:cNvPr id="226" name="Group"/>
           <p:cNvGrpSpPr/>
           <p:nvPr/>
         </p:nvGrpSpPr>
@@ -8048,7 +8245,7 @@
         </p:grpSpPr>
         <p:sp>
           <p:nvSpPr>
-            <p:cNvPr id="223" name="Group"/>
+            <p:cNvPr id="224" name="Group"/>
             <p:cNvSpPr/>
             <p:nvPr/>
           </p:nvSpPr>
@@ -8148,7 +8345,7 @@
         </p:sp>
         <p:sp>
           <p:nvSpPr>
-            <p:cNvPr id="224" name="Equation"/>
+            <p:cNvPr id="225" name="Equation"/>
             <p:cNvSpPr txBox="1"/>
             <p:nvPr/>
           </p:nvSpPr>
@@ -8341,7 +8538,7 @@
                                       <p:cBhvr>
                                         <p:cTn id="6" fill="hold"/>
                                         <p:tgtEl>
-                                          <p:spTgt spid="207"/>
+                                          <p:spTgt spid="208"/>
                                         </p:tgtEl>
                                         <p:attrNameLst>
                                           <p:attrName>style.visibility</p:attrName>
@@ -8385,7 +8582,7 @@
                                       <p:cBhvr>
                                         <p:cTn id="10" fill="hold"/>
                                         <p:tgtEl>
-                                          <p:spTgt spid="208"/>
+                                          <p:spTgt spid="209"/>
                                         </p:tgtEl>
                                         <p:attrNameLst>
                                           <p:attrName>style.visibility</p:attrName>
@@ -8429,7 +8626,7 @@
                                       <p:cBhvr>
                                         <p:cTn id="14" fill="hold"/>
                                         <p:tgtEl>
-                                          <p:spTgt spid="213"/>
+                                          <p:spTgt spid="214"/>
                                         </p:tgtEl>
                                         <p:attrNameLst>
                                           <p:attrName>style.visibility</p:attrName>
@@ -8473,7 +8670,7 @@
                                       <p:cBhvr>
                                         <p:cTn id="18" fill="hold"/>
                                         <p:tgtEl>
-                                          <p:spTgt spid="217"/>
+                                          <p:spTgt spid="218"/>
                                         </p:tgtEl>
                                         <p:attrNameLst>
                                           <p:attrName>style.visibility</p:attrName>
@@ -8517,7 +8714,7 @@
                                       <p:cBhvr>
                                         <p:cTn id="22" fill="hold"/>
                                         <p:tgtEl>
-                                          <p:spTgt spid="222"/>
+                                          <p:spTgt spid="223"/>
                                         </p:tgtEl>
                                         <p:attrNameLst>
                                           <p:attrName>style.visibility</p:attrName>
@@ -8561,7 +8758,7 @@
                                       <p:cBhvr>
                                         <p:cTn id="26" fill="hold"/>
                                         <p:tgtEl>
-                                          <p:spTgt spid="225"/>
+                                          <p:spTgt spid="226"/>
                                         </p:tgtEl>
                                         <p:attrNameLst>
                                           <p:attrName>style.visibility</p:attrName>
@@ -8602,12 +8799,12 @@
       </p:par>
     </p:tnLst>
     <p:bldLst>
-      <p:bldP build="whole" bldLvl="1" animBg="1" rev="0" advAuto="0" spid="225" grpId="6"/>
-      <p:bldP build="whole" bldLvl="1" animBg="1" rev="0" advAuto="0" spid="217" grpId="4"/>
-      <p:bldP build="whole" bldLvl="1" animBg="1" rev="0" advAuto="0" spid="222" grpId="5"/>
-      <p:bldP build="whole" bldLvl="1" animBg="1" rev="0" advAuto="0" spid="207" grpId="1"/>
-      <p:bldP build="whole" bldLvl="1" animBg="1" rev="0" advAuto="0" spid="208" grpId="2"/>
-      <p:bldP build="whole" bldLvl="1" animBg="1" rev="0" advAuto="0" spid="213" grpId="3"/>
+      <p:bldP build="whole" bldLvl="1" animBg="1" rev="0" advAuto="0" spid="208" grpId="1"/>
+      <p:bldP build="whole" bldLvl="1" animBg="1" rev="0" advAuto="0" spid="226" grpId="6"/>
+      <p:bldP build="whole" bldLvl="1" animBg="1" rev="0" advAuto="0" spid="209" grpId="2"/>
+      <p:bldP build="whole" bldLvl="1" animBg="1" rev="0" advAuto="0" spid="214" grpId="3"/>
+      <p:bldP build="whole" bldLvl="1" animBg="1" rev="0" advAuto="0" spid="223" grpId="5"/>
+      <p:bldP build="whole" bldLvl="1" animBg="1" rev="0" advAuto="0" spid="218" grpId="4"/>
     </p:bldLst>
   </p:timing>
 </p:sld>
@@ -8632,7 +8829,7 @@
       </p:grpSpPr>
       <p:grpSp>
         <p:nvGrpSpPr>
-          <p:cNvPr id="233" name="Group"/>
+          <p:cNvPr id="234" name="Group"/>
           <p:cNvGrpSpPr/>
           <p:nvPr/>
         </p:nvGrpSpPr>
@@ -8646,7 +8843,7 @@
         </p:grpSpPr>
         <p:grpSp>
           <p:nvGrpSpPr>
-            <p:cNvPr id="231" name="Group"/>
+            <p:cNvPr id="232" name="Group"/>
             <p:cNvGrpSpPr/>
             <p:nvPr/>
           </p:nvGrpSpPr>
@@ -8660,7 +8857,7 @@
           </p:grpSpPr>
           <p:pic>
             <p:nvPicPr>
-              <p:cNvPr id="229" name="Image" descr="Image"/>
+              <p:cNvPr id="230" name="Image" descr="Image"/>
               <p:cNvPicPr>
                 <a:picLocks noChangeAspect="1"/>
               </p:cNvPicPr>
@@ -8691,7 +8888,7 @@
           </p:pic>
           <p:sp>
             <p:nvSpPr>
-              <p:cNvPr id="230" name="The determinant of a   matrix A, written det(A):"/>
+              <p:cNvPr id="231" name="The determinant of a   matrix A, written det(A):"/>
               <p:cNvSpPr txBox="1"/>
               <p:nvPr/>
             </p:nvSpPr>
@@ -8791,7 +8988,7 @@
         </p:grpSp>
         <p:sp>
           <p:nvSpPr>
-            <p:cNvPr id="232" name="Rectangle"/>
+            <p:cNvPr id="233" name="Rectangle"/>
             <p:cNvSpPr/>
             <p:nvPr/>
           </p:nvSpPr>
@@ -8826,21 +9023,21 @@
       </p:grpSp>
       <p:grpSp>
         <p:nvGrpSpPr>
-          <p:cNvPr id="237" name="Group"/>
+          <p:cNvPr id="238" name="Group"/>
           <p:cNvGrpSpPr/>
           <p:nvPr/>
         </p:nvGrpSpPr>
         <p:grpSpPr>
           <a:xfrm>
             <a:off x="4397811" y="3238130"/>
-            <a:ext cx="4329248" cy="1265328"/>
+            <a:ext cx="4329248" cy="1265329"/>
             <a:chOff x="0" y="0"/>
             <a:chExt cx="4329246" cy="1265327"/>
           </a:xfrm>
         </p:grpSpPr>
         <p:pic>
           <p:nvPicPr>
-            <p:cNvPr id="234" name="Image" descr="Image"/>
+            <p:cNvPr id="235" name="Image" descr="Image"/>
             <p:cNvPicPr>
               <a:picLocks noChangeAspect="1"/>
             </p:cNvPicPr>
@@ -8871,7 +9068,7 @@
         </p:pic>
         <p:sp>
           <p:nvSpPr>
-            <p:cNvPr id="235" name="The adjugate of a   matrix A, written adj(A):"/>
+            <p:cNvPr id="236" name="The adjugate of a   matrix A, written adj(A):"/>
             <p:cNvSpPr txBox="1"/>
             <p:nvPr/>
           </p:nvSpPr>
@@ -8970,7 +9167,7 @@
         </p:sp>
         <p:sp>
           <p:nvSpPr>
-            <p:cNvPr id="236" name="Rectangle"/>
+            <p:cNvPr id="237" name="Rectangle"/>
             <p:cNvSpPr/>
             <p:nvPr/>
           </p:nvSpPr>
@@ -9005,7 +9202,7 @@
       </p:grpSp>
       <p:sp>
         <p:nvSpPr>
-          <p:cNvPr id="238" name="Be sure to: do the work below in your saved copy of thenAlice’s restaurant Pyret file:…"/>
+          <p:cNvPr id="239" name="Be sure to: do the work below in your saved copy of thenAlice’s restaurant Pyret file:…"/>
           <p:cNvSpPr txBox="1"/>
           <p:nvPr/>
         </p:nvSpPr>
@@ -9101,7 +9298,7 @@
                   <a:schemeClr val="accent3"/>
                 </a:solidFill>
               </a:rPr>
-              <a:t>Copy notes to the left (if you came in late).</a:t>
+              <a:t>Copy notes  (if you came in late).</a:t>
             </a:r>
             <a:endParaRPr>
               <a:solidFill>
@@ -9128,39 +9325,100 @@
                   <a:schemeClr val="accent3"/>
                 </a:solidFill>
               </a:rPr>
-              <a:t>Work silently on worksheet for the first 3 minutes. After that you can check in with your neighbor.</a:t>
+              <a:t>Do all work in your notebook.</a:t>
+            </a:r>
+            <a:endParaRPr>
+              <a:solidFill>
+                <a:schemeClr val="accent3"/>
+              </a:solidFill>
+            </a:endParaRPr>
+          </a:p>
+          <a:p>
+            <a:pPr marL="227263" indent="-227263">
+              <a:buSzPct val="100000"/>
+              <a:buAutoNum type="arabicPeriod" startAt="1"/>
+              <a:defRPr sz="1700">
+                <a:solidFill>
+                  <a:schemeClr val="accent5">
+                    <a:satOff val="-3088"/>
+                    <a:lumOff val="12696"/>
+                  </a:schemeClr>
+                </a:solidFill>
+              </a:defRPr>
+            </a:pPr>
+            <a:r>
+              <a:rPr>
+                <a:solidFill>
+                  <a:schemeClr val="accent3"/>
+                </a:solidFill>
+              </a:rPr>
+              <a:t>Work silently for the first 4 minutes. After that you can check in with your neighbor.</a:t>
             </a:r>
           </a:p>
         </p:txBody>
       </p:sp>
       <p:grpSp>
         <p:nvGrpSpPr>
-          <p:cNvPr id="241" name="Group"/>
+          <p:cNvPr id="242" name="Group"/>
           <p:cNvGrpSpPr/>
           <p:nvPr/>
         </p:nvGrpSpPr>
         <p:grpSpPr>
           <a:xfrm>
             <a:off x="719441" y="1447321"/>
-            <a:ext cx="3447496" cy="975348"/>
+            <a:ext cx="2143762" cy="975348"/>
             <a:chOff x="0" y="0"/>
-            <a:chExt cx="3447494" cy="975347"/>
+            <a:chExt cx="2143760" cy="975347"/>
           </a:xfrm>
         </p:grpSpPr>
         <p:sp>
           <p:nvSpPr>
-            <p:cNvPr id="239" name="Formula to find the inverse…"/>
-            <p:cNvSpPr txBox="1"/>
+            <p:cNvPr id="240" name="Formula to find the inverse…"/>
+            <p:cNvSpPr/>
             <p:nvPr/>
           </p:nvSpPr>
           <p:spPr>
             <a:xfrm>
               <a:off x="28376" y="0"/>
-              <a:ext cx="3419119" cy="787400"/>
+              <a:ext cx="2115385" cy="0"/>
             </a:xfrm>
-            <a:prstGeom prst="rect">
+            <a:custGeom>
               <a:avLst/>
-            </a:prstGeom>
+              <a:gdLst/>
+              <a:ahLst/>
+              <a:cxnLst>
+                <a:cxn ang="0">
+                  <a:pos x="wd2" y="hd2"/>
+                </a:cxn>
+                <a:cxn ang="5400000">
+                  <a:pos x="wd2" y="hd2"/>
+                </a:cxn>
+                <a:cxn ang="10800000">
+                  <a:pos x="wd2" y="hd2"/>
+                </a:cxn>
+                <a:cxn ang="16200000">
+                  <a:pos x="wd2" y="hd2"/>
+                </a:cxn>
+              </a:cxnLst>
+              <a:rect l="0" t="0" r="r" b="b"/>
+              <a:pathLst>
+                <a:path w="21600" h="0" fill="norm" stroke="1" extrusionOk="0">
+                  <a:moveTo>
+                    <a:pt x="0" y="0"/>
+                  </a:moveTo>
+                  <a:lnTo>
+                    <a:pt x="21600" y="0"/>
+                  </a:lnTo>
+                  <a:lnTo>
+                    <a:pt x="21600" y="0"/>
+                  </a:lnTo>
+                  <a:lnTo>
+                    <a:pt x="0" y="0"/>
+                  </a:lnTo>
+                  <a:close/>
+                </a:path>
+              </a:pathLst>
+            </a:custGeom>
             <a:noFill/>
             <a:ln w="12700" cap="flat">
               <a:noFill/>
@@ -9199,7 +9457,7 @@
         </p:sp>
         <p:pic>
           <p:nvPicPr>
-            <p:cNvPr id="240" name="Image" descr="Image"/>
+            <p:cNvPr id="241" name="Image" descr="Image"/>
             <p:cNvPicPr>
               <a:picLocks noChangeAspect="1"/>
             </p:cNvPicPr>
@@ -9269,7 +9527,7 @@
                                       <p:cBhvr>
                                         <p:cTn id="6" fill="hold"/>
                                         <p:tgtEl>
-                                          <p:spTgt spid="233"/>
+                                          <p:spTgt spid="234"/>
                                         </p:tgtEl>
                                         <p:attrNameLst>
                                           <p:attrName>style.visibility</p:attrName>
@@ -9313,7 +9571,7 @@
                                       <p:cBhvr>
                                         <p:cTn id="10" fill="hold"/>
                                         <p:tgtEl>
-                                          <p:spTgt spid="237"/>
+                                          <p:spTgt spid="238"/>
                                         </p:tgtEl>
                                         <p:attrNameLst>
                                           <p:attrName>style.visibility</p:attrName>
@@ -9354,8 +9612,8 @@
       </p:par>
     </p:tnLst>
     <p:bldLst>
-      <p:bldP build="whole" bldLvl="1" animBg="1" rev="0" advAuto="0" spid="237" grpId="2"/>
-      <p:bldP build="whole" bldLvl="1" animBg="1" rev="0" advAuto="0" spid="233" grpId="1"/>
+      <p:bldP build="whole" bldLvl="1" animBg="1" rev="0" advAuto="0" spid="238" grpId="2"/>
+      <p:bldP build="whole" bldLvl="1" animBg="1" rev="0" advAuto="0" spid="234" grpId="1"/>
     </p:bldLst>
   </p:timing>
 </p:sld>
@@ -9380,7 +9638,7 @@
       </p:grpSpPr>
       <p:sp>
         <p:nvSpPr>
-          <p:cNvPr id="245" name="Why is it useful to be able to find the adjugate and determinant of a matrix?…"/>
+          <p:cNvPr id="246" name="Why is it useful to be able to find the adjugate and determinant of a matrix?…"/>
           <p:cNvSpPr txBox="1"/>
           <p:nvPr/>
         </p:nvSpPr>
@@ -9428,14 +9686,14 @@
       </p:sp>
       <p:pic>
         <p:nvPicPr>
-          <p:cNvPr id="246" name="Image" descr="Image"/>
+          <p:cNvPr id="247" name="Image" descr="Image"/>
           <p:cNvPicPr>
             <a:picLocks noChangeAspect="1"/>
           </p:cNvPicPr>
           <p:nvPr/>
         </p:nvPicPr>
         <p:blipFill>
-          <a:blip r:embed="rId2">
+          <a:blip r:embed="rId3">
             <a:extLst/>
           </a:blip>
           <a:stretch>
@@ -9457,7 +9715,7 @@
       </p:pic>
       <p:sp>
         <p:nvSpPr>
-          <p:cNvPr id="247" name="Reflection: Thinking about thinking…"/>
+          <p:cNvPr id="248" name="Reflection: Thinking about thinking…"/>
           <p:cNvSpPr txBox="1"/>
           <p:nvPr/>
         </p:nvSpPr>
@@ -9574,7 +9832,7 @@
                                       <p:cBhvr>
                                         <p:cTn id="6" fill="hold"/>
                                         <p:tgtEl>
-                                          <p:spTgt spid="245">
+                                          <p:spTgt spid="246">
                                             <p:bg/>
                                           </p:spTgt>
                                         </p:tgtEl>
@@ -9602,7 +9860,7 @@
                                       <p:cBhvr>
                                         <p:cTn id="8" fill="hold"/>
                                         <p:tgtEl>
-                                          <p:spTgt spid="245">
+                                          <p:spTgt spid="246">
                                             <p:txEl>
                                               <p:pRg st="0" end="0"/>
                                             </p:txEl>
@@ -9650,7 +9908,7 @@
                                       <p:cBhvr>
                                         <p:cTn id="12" fill="hold"/>
                                         <p:tgtEl>
-                                          <p:spTgt spid="245">
+                                          <p:spTgt spid="246">
                                             <p:txEl>
                                               <p:pRg st="1" end="1"/>
                                             </p:txEl>
@@ -9695,7 +9953,7 @@
       </p:par>
     </p:tnLst>
     <p:bldLst>
-      <p:bldP build="p" bldLvl="5" animBg="1" rev="0" advAuto="0" spid="245" grpId="1"/>
+      <p:bldP build="p" bldLvl="5" animBg="1" rev="0" advAuto="0" spid="246" grpId="1"/>
     </p:bldLst>
   </p:timing>
 </p:sld>
@@ -9720,7 +9978,7 @@
       </p:grpSpPr>
       <p:sp>
         <p:nvSpPr>
-          <p:cNvPr id="249" name="Google Shape;119;p19"/>
+          <p:cNvPr id="252" name="Google Shape;119;p19"/>
           <p:cNvSpPr txBox="1"/>
           <p:nvPr/>
         </p:nvSpPr>
@@ -9834,7 +10092,7 @@
       </p:sp>
       <p:grpSp>
         <p:nvGrpSpPr>
-          <p:cNvPr id="252" name="Google Shape;118;p19"/>
+          <p:cNvPr id="255" name="Google Shape;118;p19"/>
           <p:cNvGrpSpPr/>
           <p:nvPr/>
         </p:nvGrpSpPr>
@@ -9848,7 +10106,7 @@
         </p:grpSpPr>
         <p:sp>
           <p:nvSpPr>
-            <p:cNvPr id="250" name="Rectangle"/>
+            <p:cNvPr id="253" name="Rectangle"/>
             <p:cNvSpPr/>
             <p:nvPr/>
           </p:nvSpPr>
@@ -9892,7 +10150,7 @@
         </p:sp>
         <p:sp>
           <p:nvSpPr>
-            <p:cNvPr id="251" name="wrapping up!…"/>
+            <p:cNvPr id="254" name="wrapping up!…"/>
             <p:cNvSpPr txBox="1"/>
             <p:nvPr/>
           </p:nvSpPr>
@@ -9969,7 +10227,7 @@
       </p:grpSp>
       <p:pic>
         <p:nvPicPr>
-          <p:cNvPr id="253" name="Image" descr="Image"/>
+          <p:cNvPr id="256" name="Image" descr="Image"/>
           <p:cNvPicPr>
             <a:picLocks noChangeAspect="1"/>
           </p:cNvPicPr>
